--- a/Folien/03 G - Einführung GW.pptx
+++ b/Folien/03 G - Einführung GW.pptx
@@ -6220,6 +6220,37 @@
     </pc:docChg>
   </pc:docChgLst>
   <pc:docChgLst>
+    <pc:chgData name="Gastbenutzer" userId="S::urn:spo:anon#f86b790997f433fe469ee6d59c76f4a8a9dd4383fb9541d35ef5bb865230b574::" providerId="AD" clId="Web-{235B1597-FDF3-6771-FC3A-DAA1C8084EBF}"/>
+    <pc:docChg chg="delSld modSld">
+      <pc:chgData name="Gastbenutzer" userId="S::urn:spo:anon#f86b790997f433fe469ee6d59c76f4a8a9dd4383fb9541d35ef5bb865230b574::" providerId="AD" clId="Web-{235B1597-FDF3-6771-FC3A-DAA1C8084EBF}" dt="2023-07-25T12:54:00.344" v="30" actId="20577"/>
+      <pc:docMkLst>
+        <pc:docMk/>
+      </pc:docMkLst>
+      <pc:sldChg chg="modSp">
+        <pc:chgData name="Gastbenutzer" userId="S::urn:spo:anon#f86b790997f433fe469ee6d59c76f4a8a9dd4383fb9541d35ef5bb865230b574::" providerId="AD" clId="Web-{235B1597-FDF3-6771-FC3A-DAA1C8084EBF}" dt="2023-07-25T12:54:00.344" v="30" actId="20577"/>
+        <pc:sldMkLst>
+          <pc:docMk/>
+          <pc:sldMk cId="1319497715" sldId="369"/>
+        </pc:sldMkLst>
+        <pc:spChg chg="mod">
+          <ac:chgData name="Gastbenutzer" userId="S::urn:spo:anon#f86b790997f433fe469ee6d59c76f4a8a9dd4383fb9541d35ef5bb865230b574::" providerId="AD" clId="Web-{235B1597-FDF3-6771-FC3A-DAA1C8084EBF}" dt="2023-07-25T12:54:00.344" v="30" actId="20577"/>
+          <ac:spMkLst>
+            <pc:docMk/>
+            <pc:sldMk cId="1319497715" sldId="369"/>
+            <ac:spMk id="5" creationId="{C5425B72-C5CD-506C-6D83-8969BB1165C2}"/>
+          </ac:spMkLst>
+        </pc:spChg>
+      </pc:sldChg>
+      <pc:sldChg chg="del">
+        <pc:chgData name="Gastbenutzer" userId="S::urn:spo:anon#f86b790997f433fe469ee6d59c76f4a8a9dd4383fb9541d35ef5bb865230b574::" providerId="AD" clId="Web-{235B1597-FDF3-6771-FC3A-DAA1C8084EBF}" dt="2023-07-25T12:46:16.841" v="0"/>
+        <pc:sldMkLst>
+          <pc:docMk/>
+          <pc:sldMk cId="3923751396" sldId="373"/>
+        </pc:sldMkLst>
+      </pc:sldChg>
+    </pc:docChg>
+  </pc:docChgLst>
+  <pc:docChgLst>
     <pc:chgData name="Noémie Spiller" userId="S::nspiller@stud.hs-heilbronn.de::e4bebb1e-116a-4f15-b3ae-274db878ded7" providerId="AD" clId="Web-{EB45ED1A-1744-13CD-256C-04A4D818FCCC}"/>
     <pc:docChg chg="modSld">
       <pc:chgData name="Noémie Spiller" userId="S::nspiller@stud.hs-heilbronn.de::e4bebb1e-116a-4f15-b3ae-274db878ded7" providerId="AD" clId="Web-{EB45ED1A-1744-13CD-256C-04A4D818FCCC}" dt="2023-04-18T12:08:52.568" v="251" actId="20577"/>
@@ -6270,37 +6301,6 @@
             <ac:graphicFrameMk id="75" creationId="{E699211F-4815-1871-35EA-752C5BDA838A}"/>
           </ac:graphicFrameMkLst>
         </pc:graphicFrameChg>
-      </pc:sldChg>
-    </pc:docChg>
-  </pc:docChgLst>
-  <pc:docChgLst>
-    <pc:chgData name="Gastbenutzer" userId="S::urn:spo:anon#f86b790997f433fe469ee6d59c76f4a8a9dd4383fb9541d35ef5bb865230b574::" providerId="AD" clId="Web-{235B1597-FDF3-6771-FC3A-DAA1C8084EBF}"/>
-    <pc:docChg chg="delSld modSld">
-      <pc:chgData name="Gastbenutzer" userId="S::urn:spo:anon#f86b790997f433fe469ee6d59c76f4a8a9dd4383fb9541d35ef5bb865230b574::" providerId="AD" clId="Web-{235B1597-FDF3-6771-FC3A-DAA1C8084EBF}" dt="2023-07-25T12:54:00.344" v="30" actId="20577"/>
-      <pc:docMkLst>
-        <pc:docMk/>
-      </pc:docMkLst>
-      <pc:sldChg chg="modSp">
-        <pc:chgData name="Gastbenutzer" userId="S::urn:spo:anon#f86b790997f433fe469ee6d59c76f4a8a9dd4383fb9541d35ef5bb865230b574::" providerId="AD" clId="Web-{235B1597-FDF3-6771-FC3A-DAA1C8084EBF}" dt="2023-07-25T12:54:00.344" v="30" actId="20577"/>
-        <pc:sldMkLst>
-          <pc:docMk/>
-          <pc:sldMk cId="1319497715" sldId="369"/>
-        </pc:sldMkLst>
-        <pc:spChg chg="mod">
-          <ac:chgData name="Gastbenutzer" userId="S::urn:spo:anon#f86b790997f433fe469ee6d59c76f4a8a9dd4383fb9541d35ef5bb865230b574::" providerId="AD" clId="Web-{235B1597-FDF3-6771-FC3A-DAA1C8084EBF}" dt="2023-07-25T12:54:00.344" v="30" actId="20577"/>
-          <ac:spMkLst>
-            <pc:docMk/>
-            <pc:sldMk cId="1319497715" sldId="369"/>
-            <ac:spMk id="5" creationId="{C5425B72-C5CD-506C-6D83-8969BB1165C2}"/>
-          </ac:spMkLst>
-        </pc:spChg>
-      </pc:sldChg>
-      <pc:sldChg chg="del">
-        <pc:chgData name="Gastbenutzer" userId="S::urn:spo:anon#f86b790997f433fe469ee6d59c76f4a8a9dd4383fb9541d35ef5bb865230b574::" providerId="AD" clId="Web-{235B1597-FDF3-6771-FC3A-DAA1C8084EBF}" dt="2023-07-25T12:46:16.841" v="0"/>
-        <pc:sldMkLst>
-          <pc:docMk/>
-          <pc:sldMk cId="3923751396" sldId="373"/>
-        </pc:sldMkLst>
       </pc:sldChg>
     </pc:docChg>
   </pc:docChgLst>
@@ -6389,7 +6389,7 @@
           <a:p>
             <a:fld id="{699F818E-1E91-4866-99E0-ED18990D21A0}" type="datetimeFigureOut">
               <a:rPr lang="de-DE" smtClean="0"/>
-              <a:t>31.08.2023</a:t>
+              <a:t>09.10.2023</a:t>
             </a:fld>
             <a:endParaRPr lang="de-DE"/>
           </a:p>
@@ -6458,7 +6458,7 @@
           <a:p>
             <a:fld id="{17F71506-9360-49A9-B331-A8A2A422D426}" type="slidenum">
               <a:rPr lang="de-DE" smtClean="0"/>
-              <a:t>‹#›</a:t>
+              <a:t>‹Nr.›</a:t>
             </a:fld>
             <a:endParaRPr lang="de-DE"/>
           </a:p>
@@ -6558,7 +6558,7 @@
           <a:p>
             <a:fld id="{75EAC312-DB76-4E81-BC73-DF6B25F2DD69}" type="datetimeFigureOut">
               <a:rPr lang="de-DE" smtClean="0"/>
-              <a:t>31.08.2023</a:t>
+              <a:t>09.10.2023</a:t>
             </a:fld>
             <a:endParaRPr lang="de-DE"/>
           </a:p>
@@ -6719,7 +6719,7 @@
           <a:p>
             <a:fld id="{6C0F03CB-9ED1-4835-B01A-EE77F2B02BD5}" type="slidenum">
               <a:rPr lang="de-DE" smtClean="0"/>
-              <a:t>‹#›</a:t>
+              <a:t>‹Nr.›</a:t>
             </a:fld>
             <a:endParaRPr lang="de-DE"/>
           </a:p>
@@ -8317,7 +8317,7 @@
           <a:p>
             <a:fld id="{38C8B667-3734-4FD9-9F7F-A4B0DFB430C1}" type="slidenum">
               <a:rPr lang="de-DE" smtClean="0"/>
-              <a:t>‹#›</a:t>
+              <a:t>‹Nr.›</a:t>
             </a:fld>
             <a:endParaRPr lang="de-DE"/>
           </a:p>
@@ -8359,7 +8359,7 @@
           <a:p>
             <a:fld id="{FC249D0D-642E-46D7-B82E-111CE2258FD4}" type="datetime1">
               <a:rPr lang="de-DE" smtClean="0"/>
-              <a:t>31.08.2023</a:t>
+              <a:t>09.10.2023</a:t>
             </a:fld>
             <a:endParaRPr lang="de-DE"/>
           </a:p>
@@ -8838,7 +8838,7 @@
           <p:nvPr userDrawn="1"/>
         </p:nvPicPr>
         <p:blipFill>
-          <a:blip r:embed="rId5">
+          <a:blip r:embed="rId5" cstate="print">
             <a:extLst>
               <a:ext uri="{28A0092B-C50C-407E-A947-70E740481C1C}">
                 <a14:useLocalDpi xmlns:a14="http://schemas.microsoft.com/office/drawing/2010/main" val="0"/>
@@ -8922,7 +8922,7 @@
           <a:p>
             <a:fld id="{6457EA30-AF60-41C1-A3D7-CC9FB65B0DF9}" type="datetime1">
               <a:rPr lang="de-DE" smtClean="0"/>
-              <a:t>31.08.2023</a:t>
+              <a:t>09.10.2023</a:t>
             </a:fld>
             <a:endParaRPr lang="de-DE"/>
           </a:p>
@@ -8967,7 +8967,7 @@
           <a:p>
             <a:fld id="{38C8B667-3734-4FD9-9F7F-A4B0DFB430C1}" type="slidenum">
               <a:rPr lang="de-DE" smtClean="0"/>
-              <a:t>‹#›</a:t>
+              <a:t>‹Nr.›</a:t>
             </a:fld>
             <a:endParaRPr lang="de-DE"/>
           </a:p>
@@ -9370,7 +9370,7 @@
           <a:p>
             <a:fld id="{8A35E53B-A40D-4865-B8DB-DFC836BC78AE}" type="datetime1">
               <a:rPr lang="de-DE" smtClean="0"/>
-              <a:t>31.08.2023</a:t>
+              <a:t>09.10.2023</a:t>
             </a:fld>
             <a:endParaRPr lang="de-DE"/>
           </a:p>
@@ -9415,7 +9415,7 @@
           <a:p>
             <a:fld id="{38C8B667-3734-4FD9-9F7F-A4B0DFB430C1}" type="slidenum">
               <a:rPr lang="de-DE" smtClean="0"/>
-              <a:t>‹#›</a:t>
+              <a:t>‹Nr.›</a:t>
             </a:fld>
             <a:endParaRPr lang="de-DE"/>
           </a:p>
@@ -9819,7 +9819,7 @@
           <a:p>
             <a:fld id="{5ED08692-3A94-42E1-B291-37EE49A9955B}" type="datetime1">
               <a:rPr lang="de-DE" smtClean="0"/>
-              <a:t>31.08.2023</a:t>
+              <a:t>09.10.2023</a:t>
             </a:fld>
             <a:endParaRPr lang="de-DE"/>
           </a:p>
@@ -9876,7 +9876,7 @@
           <a:p>
             <a:fld id="{38C8B667-3734-4FD9-9F7F-A4B0DFB430C1}" type="slidenum">
               <a:rPr lang="de-DE" smtClean="0"/>
-              <a:t>‹#›</a:t>
+              <a:t>‹Nr.›</a:t>
             </a:fld>
             <a:endParaRPr lang="de-DE"/>
           </a:p>
@@ -9958,7 +9958,7 @@
           <a:p>
             <a:fld id="{2BE90E5D-6A86-477D-B85B-8E4F143A1325}" type="datetime1">
               <a:rPr lang="de-DE" smtClean="0"/>
-              <a:t>31.08.2023</a:t>
+              <a:t>09.10.2023</a:t>
             </a:fld>
             <a:endParaRPr lang="de-DE"/>
           </a:p>
@@ -10019,7 +10019,7 @@
           <a:p>
             <a:fld id="{38C8B667-3734-4FD9-9F7F-A4B0DFB430C1}" type="slidenum">
               <a:rPr lang="de-DE" smtClean="0"/>
-              <a:t>‹#›</a:t>
+              <a:t>‹Nr.›</a:t>
             </a:fld>
             <a:endParaRPr lang="de-DE"/>
           </a:p>
@@ -10663,7 +10663,7 @@
           <a:p>
             <a:fld id="{F44B3368-5E87-4D3B-A706-1D7DFF926D9F}" type="datetime1">
               <a:rPr lang="de-DE" smtClean="0"/>
-              <a:t>31.08.2023</a:t>
+              <a:t>09.10.2023</a:t>
             </a:fld>
             <a:endParaRPr lang="de-DE"/>
           </a:p>
@@ -10708,7 +10708,7 @@
           <a:p>
             <a:fld id="{5584A6D9-F076-4F89-ADA2-89BAF04B4266}" type="slidenum">
               <a:rPr lang="de-DE" smtClean="0"/>
-              <a:t>‹#›</a:t>
+              <a:t>‹Nr.›</a:t>
             </a:fld>
             <a:endParaRPr lang="de-DE"/>
           </a:p>
@@ -10767,7 +10767,7 @@
           <a:p>
             <a:fld id="{BDE828A6-091E-48AA-A375-2CFFCCAEE6BB}" type="datetime1">
               <a:rPr lang="de-DE" smtClean="0"/>
-              <a:t>31.08.2023</a:t>
+              <a:t>09.10.2023</a:t>
             </a:fld>
             <a:endParaRPr lang="de-DE"/>
           </a:p>
@@ -10829,7 +10829,7 @@
             <a:fld id="{E6B5151A-17C4-4431-8407-112C0160A8B6}" type="slidenum">
               <a:rPr lang="de-DE" smtClean="0"/>
               <a:pPr/>
-              <a:t>‹#›</a:t>
+              <a:t>‹Nr.›</a:t>
             </a:fld>
             <a:endParaRPr lang="de-DE"/>
           </a:p>
@@ -11021,7 +11021,7 @@
           <a:p>
             <a:fld id="{CF392AB3-9AE3-420D-814D-E21AB426E9A1}" type="datetime1">
               <a:rPr lang="de-DE" smtClean="0"/>
-              <a:t>31.08.2023</a:t>
+              <a:t>09.10.2023</a:t>
             </a:fld>
             <a:endParaRPr lang="de-DE"/>
           </a:p>
@@ -12294,7 +12294,7 @@
           <a:p>
             <a:fld id="{38C8B667-3734-4FD9-9F7F-A4B0DFB430C1}" type="slidenum">
               <a:rPr lang="de-DE" smtClean="0"/>
-              <a:t>‹#›</a:t>
+              <a:t>‹Nr.›</a:t>
             </a:fld>
             <a:endParaRPr lang="de-DE"/>
           </a:p>
@@ -12315,7 +12315,7 @@
           <p:nvPr userDrawn="1"/>
         </p:nvPicPr>
         <p:blipFill>
-          <a:blip r:embed="rId5">
+          <a:blip r:embed="rId5" cstate="print">
             <a:extLst>
               <a:ext uri="{28A0092B-C50C-407E-A947-70E740481C1C}">
                 <a14:useLocalDpi xmlns:a14="http://schemas.microsoft.com/office/drawing/2010/main" val="0"/>
@@ -12538,7 +12538,7 @@
           <a:p>
             <a:fld id="{1B7916F4-6114-4150-8879-2C5DE51BE86B}" type="datetime1">
               <a:rPr lang="de-DE" smtClean="0"/>
-              <a:t>31.08.2023</a:t>
+              <a:t>09.10.2023</a:t>
             </a:fld>
             <a:endParaRPr lang="de-DE"/>
           </a:p>
@@ -14066,7 +14066,7 @@
           <a:p>
             <a:fld id="{38C8B667-3734-4FD9-9F7F-A4B0DFB430C1}" type="slidenum">
               <a:rPr lang="de-DE" smtClean="0"/>
-              <a:t>‹#›</a:t>
+              <a:t>‹Nr.›</a:t>
             </a:fld>
             <a:endParaRPr lang="de-DE"/>
           </a:p>
@@ -14087,7 +14087,7 @@
           <p:nvPr userDrawn="1"/>
         </p:nvPicPr>
         <p:blipFill>
-          <a:blip r:embed="rId5">
+          <a:blip r:embed="rId5" cstate="print">
             <a:extLst>
               <a:ext uri="{28A0092B-C50C-407E-A947-70E740481C1C}">
                 <a14:useLocalDpi xmlns:a14="http://schemas.microsoft.com/office/drawing/2010/main" val="0"/>
@@ -14252,7 +14252,7 @@
           <a:p>
             <a:fld id="{A8888297-84FF-4E56-9955-98335E9B71D5}" type="datetime1">
               <a:rPr lang="de-DE" smtClean="0"/>
-              <a:t>31.08.2023</a:t>
+              <a:t>09.10.2023</a:t>
             </a:fld>
             <a:endParaRPr lang="de-DE"/>
           </a:p>
@@ -15345,7 +15345,7 @@
           <a:p>
             <a:fld id="{38C8B667-3734-4FD9-9F7F-A4B0DFB430C1}" type="slidenum">
               <a:rPr lang="de-DE" smtClean="0"/>
-              <a:t>‹#›</a:t>
+              <a:t>‹Nr.›</a:t>
             </a:fld>
             <a:endParaRPr lang="de-DE"/>
           </a:p>
@@ -15465,7 +15465,7 @@
           <a:p>
             <a:fld id="{74DB439E-CEAA-4FC3-BB11-518F1DE0E08B}" type="datetime1">
               <a:rPr lang="de-DE" smtClean="0"/>
-              <a:t>31.08.2023</a:t>
+              <a:t>09.10.2023</a:t>
             </a:fld>
             <a:endParaRPr lang="de-DE"/>
           </a:p>
@@ -15526,7 +15526,7 @@
           <a:p>
             <a:fld id="{38C8B667-3734-4FD9-9F7F-A4B0DFB430C1}" type="slidenum">
               <a:rPr lang="de-DE" smtClean="0"/>
-              <a:t>‹#›</a:t>
+              <a:t>‹Nr.›</a:t>
             </a:fld>
             <a:endParaRPr lang="de-DE"/>
           </a:p>
@@ -16795,7 +16795,7 @@
           <p:nvPr userDrawn="1"/>
         </p:nvPicPr>
         <p:blipFill>
-          <a:blip r:embed="rId5">
+          <a:blip r:embed="rId5" cstate="print">
             <a:extLst>
               <a:ext uri="{28A0092B-C50C-407E-A947-70E740481C1C}">
                 <a14:useLocalDpi xmlns:a14="http://schemas.microsoft.com/office/drawing/2010/main" val="0"/>
@@ -16863,7 +16863,7 @@
           <a:p>
             <a:fld id="{5B752EEA-8619-45F9-903D-C6ECF532DBFC}" type="datetime1">
               <a:rPr lang="de-DE" smtClean="0"/>
-              <a:t>31.08.2023</a:t>
+              <a:t>09.10.2023</a:t>
             </a:fld>
             <a:endParaRPr lang="de-DE"/>
           </a:p>
@@ -16908,7 +16908,7 @@
           <a:p>
             <a:fld id="{38C8B667-3734-4FD9-9F7F-A4B0DFB430C1}" type="slidenum">
               <a:rPr lang="de-DE" smtClean="0"/>
-              <a:t>‹#›</a:t>
+              <a:t>‹Nr.›</a:t>
             </a:fld>
             <a:endParaRPr lang="de-DE"/>
           </a:p>
@@ -17109,7 +17109,7 @@
           <a:p>
             <a:fld id="{129E5A74-1347-4773-8D8A-58BA0E246B45}" type="datetime1">
               <a:rPr lang="de-DE" smtClean="0"/>
-              <a:t>31.08.2023</a:t>
+              <a:t>09.10.2023</a:t>
             </a:fld>
             <a:endParaRPr lang="de-DE"/>
           </a:p>
@@ -17154,7 +17154,7 @@
           <a:p>
             <a:fld id="{38C8B667-3734-4FD9-9F7F-A4B0DFB430C1}" type="slidenum">
               <a:rPr lang="de-DE" smtClean="0"/>
-              <a:t>‹#›</a:t>
+              <a:t>‹Nr.›</a:t>
             </a:fld>
             <a:endParaRPr lang="de-DE"/>
           </a:p>
@@ -17517,7 +17517,7 @@
           <a:p>
             <a:fld id="{FEE03B9B-F641-4C1A-BE24-2A6631D9E6E9}" type="datetime1">
               <a:rPr lang="de-DE" smtClean="0"/>
-              <a:t>31.08.2023</a:t>
+              <a:t>09.10.2023</a:t>
             </a:fld>
             <a:endParaRPr lang="de-DE"/>
           </a:p>
@@ -17562,7 +17562,7 @@
           <a:p>
             <a:fld id="{38C8B667-3734-4FD9-9F7F-A4B0DFB430C1}" type="slidenum">
               <a:rPr lang="de-DE" smtClean="0"/>
-              <a:t>‹#›</a:t>
+              <a:t>‹Nr.›</a:t>
             </a:fld>
             <a:endParaRPr lang="de-DE"/>
           </a:p>
@@ -17893,7 +17893,7 @@
           <a:p>
             <a:fld id="{B9B1A5A2-395D-4154-8695-3B7DE526DE23}" type="datetime1">
               <a:rPr lang="de-DE" smtClean="0"/>
-              <a:t>31.08.2023</a:t>
+              <a:t>09.10.2023</a:t>
             </a:fld>
             <a:endParaRPr lang="de-DE"/>
           </a:p>
@@ -18164,7 +18164,7 @@
           <a:p>
             <a:fld id="{38C8B667-3734-4FD9-9F7F-A4B0DFB430C1}" type="slidenum">
               <a:rPr lang="de-DE" smtClean="0"/>
-              <a:t>‹#›</a:t>
+              <a:t>‹Nr.›</a:t>
             </a:fld>
             <a:endParaRPr lang="de-DE"/>
           </a:p>
@@ -21398,7 +21398,7 @@
           <a:p>
             <a:fld id="{2355F5D5-C0CB-4753-9F5D-3FA5091F2755}" type="datetime1">
               <a:rPr lang="de-DE" smtClean="0"/>
-              <a:t>31.08.2023</a:t>
+              <a:t>09.10.2023</a:t>
             </a:fld>
             <a:endParaRPr lang="de-DE"/>
           </a:p>
@@ -21673,7 +21673,7 @@
           <a:p>
             <a:fld id="{38C8B667-3734-4FD9-9F7F-A4B0DFB430C1}" type="slidenum">
               <a:rPr lang="de-DE" smtClean="0"/>
-              <a:t>‹#›</a:t>
+              <a:t>‹Nr.›</a:t>
             </a:fld>
             <a:endParaRPr lang="de-DE"/>
           </a:p>
@@ -21730,7 +21730,7 @@
           <p:nvPr userDrawn="1"/>
         </p:nvPicPr>
         <p:blipFill>
-          <a:blip r:embed="rId19">
+          <a:blip r:embed="rId19" cstate="print">
             <a:extLst>
               <a:ext uri="{28A0092B-C50C-407E-A947-70E740481C1C}">
                 <a14:useLocalDpi xmlns:a14="http://schemas.microsoft.com/office/drawing/2010/main" val="0"/>
@@ -23742,7 +23742,7 @@
           <a:p>
             <a:fld id="{A353A6EB-AD85-48EF-907F-1D8D7C457B50}" type="datetime1">
               <a:rPr lang="de-DE" smtClean="0"/>
-              <a:t>31.08.2023</a:t>
+              <a:t>09.10.2023</a:t>
             </a:fld>
             <a:endParaRPr lang="de-DE"/>
           </a:p>
@@ -24022,7 +24022,7 @@
             <a:fld id="{E6B5151A-17C4-4431-8407-112C0160A8B6}" type="slidenum">
               <a:rPr lang="de-DE" smtClean="0"/>
               <a:pPr/>
-              <a:t>‹#›</a:t>
+              <a:t>‹Nr.›</a:t>
             </a:fld>
             <a:endParaRPr lang="de-DE"/>
           </a:p>
@@ -28217,7 +28217,7 @@
               <a:buChar char="•"/>
             </a:pPr>
             <a:r>
-              <a:rPr lang="de-DE" sz="2200">
+              <a:rPr lang="de-DE" sz="2200" dirty="0">
                 <a:cs typeface="Arial"/>
               </a:rPr>
               <a:t>große Konzerne sammeln Nutzerdaten und finanzieren kostenlose Dienste darüber</a:t>
@@ -28232,7 +28232,7 @@
               <a:buChar char="•"/>
             </a:pPr>
             <a:r>
-              <a:rPr lang="de-DE" sz="2200">
+              <a:rPr lang="de-DE" sz="2200" dirty="0">
                 <a:cs typeface="Arial"/>
               </a:rPr>
               <a:t>DSGVO soll schützen</a:t>
@@ -28250,8 +28250,11 @@
               <a:rPr lang="de-DE" sz="2200">
                 <a:cs typeface="Arial"/>
               </a:rPr>
-              <a:t>zu viele Ausnahmen</a:t>
+              <a:t>Ausnahmen:</a:t>
             </a:r>
+            <a:endParaRPr lang="de-DE" sz="2200" dirty="0">
+              <a:cs typeface="Arial"/>
+            </a:endParaRPr>
           </a:p>
           <a:p>
             <a:pPr marL="630555" lvl="1" indent="-287655">
@@ -28265,7 +28268,7 @@
               <a:buChar char="•"/>
             </a:pPr>
             <a:r>
-              <a:rPr lang="de-DE" sz="2200">
+              <a:rPr lang="de-DE" sz="2200" dirty="0">
                 <a:cs typeface="Arial"/>
               </a:rPr>
               <a:t>Suche vermisste Kinder</a:t>
@@ -28283,7 +28286,7 @@
               <a:buChar char="•"/>
             </a:pPr>
             <a:r>
-              <a:rPr lang="de-DE" sz="2200">
+              <a:rPr lang="de-DE" sz="2200" dirty="0">
                 <a:cs typeface="Arial"/>
               </a:rPr>
               <a:t>Verhindern eines Terroranschlags</a:t>
@@ -28301,7 +28304,7 @@
               <a:buChar char="•"/>
             </a:pPr>
             <a:r>
-              <a:rPr lang="de-DE" sz="2200">
+              <a:rPr lang="de-DE" sz="2200" dirty="0">
                 <a:cs typeface="Arial"/>
               </a:rPr>
               <a:t>Verhindern Gefahr für Leben einer natürlichen Person</a:t>
